--- a/Chapitre_01_Correction/TD_01_AP_TrainHelico/images/Figure.pptx
+++ b/Chapitre_01_Correction/TD_01_AP_TrainHelico/images/Figure.pptx
@@ -3137,8 +3137,8 @@
           </a:fontRef>
         </p:style>
       </p:cxnSp>
-      <mc:AlternateContent xmlns:mc="http://schemas.openxmlformats.org/markup-compatibility/2006">
-        <mc:Choice xmlns:a14="http://schemas.microsoft.com/office/drawing/2010/main" Requires="a14">
+      <mc:AlternateContent xmlns:mc="http://schemas.openxmlformats.org/markup-compatibility/2006" xmlns:a14="http://schemas.microsoft.com/office/drawing/2010/main">
+        <mc:Choice Requires="a14">
           <p:sp>
             <p:nvSpPr>
               <p:cNvPr id="10" name="ZoneTexte 9">
@@ -3167,6 +3167,7 @@
               </a:bodyPr>
               <a:lstStyle/>
               <a:p>
+                <a:pPr/>
                 <a14:m>
                   <m:oMathPara xmlns:m="http://schemas.openxmlformats.org/officeDocument/2006/math">
                     <m:oMathParaPr>
@@ -3222,7 +3223,7 @@
                       <m:sSup>
                         <m:sSupPr>
                           <m:ctrlPr>
-                            <a:rPr lang="fr-FR" sz="1050" b="0" smtClean="0">
+                            <a:rPr lang="fr-FR" sz="1050" b="0" i="1" smtClean="0">
                               <a:latin typeface="Cambria Math" panose="02040503050406030204" pitchFamily="18" charset="0"/>
                             </a:rPr>
                           </m:ctrlPr>
@@ -3255,7 +3256,7 @@
             </p:txBody>
           </p:sp>
         </mc:Choice>
-        <mc:Fallback>
+        <mc:Fallback xmlns="">
           <p:sp>
             <p:nvSpPr>
               <p:cNvPr id="10" name="ZoneTexte 9">
@@ -3388,8 +3389,8 @@
           </a:fontRef>
         </p:style>
       </p:cxnSp>
-      <mc:AlternateContent xmlns:mc="http://schemas.openxmlformats.org/markup-compatibility/2006">
-        <mc:Choice xmlns:a14="http://schemas.microsoft.com/office/drawing/2010/main" Requires="a14">
+      <mc:AlternateContent xmlns:mc="http://schemas.openxmlformats.org/markup-compatibility/2006" xmlns:a14="http://schemas.microsoft.com/office/drawing/2010/main">
+        <mc:Choice Requires="a14">
           <p:sp>
             <p:nvSpPr>
               <p:cNvPr id="16" name="ZoneTexte 15">
@@ -3418,6 +3419,7 @@
               </a:bodyPr>
               <a:lstStyle/>
               <a:p>
+                <a:pPr/>
                 <a14:m>
                   <m:oMathPara xmlns:m="http://schemas.openxmlformats.org/officeDocument/2006/math">
                     <m:oMathParaPr>
@@ -3472,7 +3474,7 @@
             </p:txBody>
           </p:sp>
         </mc:Choice>
-        <mc:Fallback>
+        <mc:Fallback xmlns="">
           <p:sp>
             <p:nvSpPr>
               <p:cNvPr id="16" name="ZoneTexte 15">
@@ -3757,8 +3759,8 @@
           </a:fontRef>
         </p:style>
       </p:cxnSp>
-      <mc:AlternateContent xmlns:mc="http://schemas.openxmlformats.org/markup-compatibility/2006">
-        <mc:Choice xmlns:a14="http://schemas.microsoft.com/office/drawing/2010/main" Requires="a14">
+      <mc:AlternateContent xmlns:mc="http://schemas.openxmlformats.org/markup-compatibility/2006" xmlns:a14="http://schemas.microsoft.com/office/drawing/2010/main">
+        <mc:Choice Requires="a14">
           <p:sp>
             <p:nvSpPr>
               <p:cNvPr id="17" name="ZoneTexte 16">
@@ -3787,6 +3789,7 @@
               </a:bodyPr>
               <a:lstStyle/>
               <a:p>
+                <a:pPr/>
                 <a14:m>
                   <m:oMathPara xmlns:m="http://schemas.openxmlformats.org/officeDocument/2006/math">
                     <m:oMathParaPr>
@@ -3832,7 +3835,7 @@
             </p:txBody>
           </p:sp>
         </mc:Choice>
-        <mc:Fallback>
+        <mc:Fallback xmlns="">
           <p:sp>
             <p:nvSpPr>
               <p:cNvPr id="17" name="ZoneTexte 16">
@@ -3982,7 +3985,7 @@
             <p:spPr>
               <a:xfrm>
                 <a:off x="4383466" y="965366"/>
-                <a:ext cx="743409" cy="176010"/>
+                <a:ext cx="722762" cy="161583"/>
               </a:xfrm>
               <a:prstGeom prst="rect">
                 <a:avLst/>
@@ -3995,6 +3998,7 @@
               </a:bodyPr>
               <a:lstStyle/>
               <a:p>
+                <a:pPr/>
                 <a14:m>
                   <m:oMathPara xmlns:m="http://schemas.openxmlformats.org/officeDocument/2006/math">
                     <m:oMathParaPr>
@@ -4022,7 +4026,7 @@
                             <a:rPr lang="fr-FR" sz="1050" b="0" i="1" smtClean="0">
                               <a:latin typeface="Cambria Math" panose="02040503050406030204" pitchFamily="18" charset="0"/>
                             </a:rPr>
-                            <m:t>𝜑</m:t>
+                            <m:t>𝐺</m:t>
                           </m:r>
                         </m:sub>
                       </m:sSub>
@@ -4067,7 +4071,7 @@
             <p:spPr>
               <a:xfrm>
                 <a:off x="4383466" y="965366"/>
-                <a:ext cx="743409" cy="176010"/>
+                <a:ext cx="722762" cy="161583"/>
               </a:xfrm>
               <a:prstGeom prst="rect">
                 <a:avLst/>
@@ -4075,7 +4079,305 @@
               <a:blipFill>
                 <a:blip r:embed="rId4"/>
                 <a:stretch>
-                  <a:fillRect l="-3279" r="-4098" b="-17241"/>
+                  <a:fillRect l="-4202" r="-4202" b="-14815"/>
+                </a:stretch>
+              </a:blipFill>
+            </p:spPr>
+            <p:txBody>
+              <a:bodyPr/>
+              <a:lstStyle/>
+              <a:p>
+                <a:r>
+                  <a:rPr lang="fr-FR">
+                    <a:noFill/>
+                  </a:rPr>
+                  <a:t> </a:t>
+                </a:r>
+              </a:p>
+            </p:txBody>
+          </p:sp>
+        </mc:Fallback>
+      </mc:AlternateContent>
+      <p:sp>
+        <p:nvSpPr>
+          <p:cNvPr id="2" name="Forme libre : forme 1">
+            <a:extLst>
+              <a:ext uri="{FF2B5EF4-FFF2-40B4-BE49-F238E27FC236}">
+                <a16:creationId xmlns:a16="http://schemas.microsoft.com/office/drawing/2014/main" id="{7797F3B9-E8E0-4A39-A4B7-5865ED3D74AE}"/>
+              </a:ext>
+            </a:extLst>
+          </p:cNvPr>
+          <p:cNvSpPr/>
+          <p:nvPr/>
+        </p:nvSpPr>
+        <p:spPr>
+          <a:xfrm>
+            <a:off x="2076893" y="335440"/>
+            <a:ext cx="4699591" cy="2445488"/>
+          </a:xfrm>
+          <a:custGeom>
+            <a:avLst/>
+            <a:gdLst>
+              <a:gd name="connsiteX0" fmla="*/ 0 w 4699591"/>
+              <a:gd name="connsiteY0" fmla="*/ 0 h 2445488"/>
+              <a:gd name="connsiteX1" fmla="*/ 2225749 w 4699591"/>
+              <a:gd name="connsiteY1" fmla="*/ 524539 h 2445488"/>
+              <a:gd name="connsiteX2" fmla="*/ 4699591 w 4699591"/>
+              <a:gd name="connsiteY2" fmla="*/ 2445488 h 2445488"/>
+              <a:gd name="connsiteX0" fmla="*/ 0 w 4699591"/>
+              <a:gd name="connsiteY0" fmla="*/ 0 h 2445488"/>
+              <a:gd name="connsiteX1" fmla="*/ 2225749 w 4699591"/>
+              <a:gd name="connsiteY1" fmla="*/ 524539 h 2445488"/>
+              <a:gd name="connsiteX2" fmla="*/ 4699591 w 4699591"/>
+              <a:gd name="connsiteY2" fmla="*/ 2445488 h 2445488"/>
+              <a:gd name="connsiteX0" fmla="*/ 0 w 4699591"/>
+              <a:gd name="connsiteY0" fmla="*/ 0 h 2445488"/>
+              <a:gd name="connsiteX1" fmla="*/ 2225749 w 4699591"/>
+              <a:gd name="connsiteY1" fmla="*/ 524539 h 2445488"/>
+              <a:gd name="connsiteX2" fmla="*/ 4699591 w 4699591"/>
+              <a:gd name="connsiteY2" fmla="*/ 2445488 h 2445488"/>
+              <a:gd name="connsiteX0" fmla="*/ 0 w 4699591"/>
+              <a:gd name="connsiteY0" fmla="*/ 0 h 2445488"/>
+              <a:gd name="connsiteX1" fmla="*/ 2225749 w 4699591"/>
+              <a:gd name="connsiteY1" fmla="*/ 524539 h 2445488"/>
+              <a:gd name="connsiteX2" fmla="*/ 4699591 w 4699591"/>
+              <a:gd name="connsiteY2" fmla="*/ 2445488 h 2445488"/>
+              <a:gd name="connsiteX0" fmla="*/ 0 w 4699591"/>
+              <a:gd name="connsiteY0" fmla="*/ 0 h 2445488"/>
+              <a:gd name="connsiteX1" fmla="*/ 2225749 w 4699591"/>
+              <a:gd name="connsiteY1" fmla="*/ 524539 h 2445488"/>
+              <a:gd name="connsiteX2" fmla="*/ 4699591 w 4699591"/>
+              <a:gd name="connsiteY2" fmla="*/ 2445488 h 2445488"/>
+              <a:gd name="connsiteX0" fmla="*/ 0 w 4699591"/>
+              <a:gd name="connsiteY0" fmla="*/ 0 h 2445488"/>
+              <a:gd name="connsiteX1" fmla="*/ 2225749 w 4699591"/>
+              <a:gd name="connsiteY1" fmla="*/ 524539 h 2445488"/>
+              <a:gd name="connsiteX2" fmla="*/ 4699591 w 4699591"/>
+              <a:gd name="connsiteY2" fmla="*/ 2445488 h 2445488"/>
+              <a:gd name="connsiteX0" fmla="*/ 0 w 4699591"/>
+              <a:gd name="connsiteY0" fmla="*/ 0 h 2445488"/>
+              <a:gd name="connsiteX1" fmla="*/ 2225749 w 4699591"/>
+              <a:gd name="connsiteY1" fmla="*/ 524539 h 2445488"/>
+              <a:gd name="connsiteX2" fmla="*/ 4699591 w 4699591"/>
+              <a:gd name="connsiteY2" fmla="*/ 2445488 h 2445488"/>
+            </a:gdLst>
+            <a:ahLst/>
+            <a:cxnLst>
+              <a:cxn ang="0">
+                <a:pos x="connsiteX0" y="connsiteY0"/>
+              </a:cxn>
+              <a:cxn ang="0">
+                <a:pos x="connsiteX1" y="connsiteY1"/>
+              </a:cxn>
+              <a:cxn ang="0">
+                <a:pos x="connsiteX2" y="connsiteY2"/>
+              </a:cxn>
+            </a:cxnLst>
+            <a:rect l="l" t="t" r="r" b="b"/>
+            <a:pathLst>
+              <a:path w="4699591" h="2445488">
+                <a:moveTo>
+                  <a:pt x="0" y="0"/>
+                </a:moveTo>
+                <a:cubicBezTo>
+                  <a:pt x="855921" y="228600"/>
+                  <a:pt x="1371601" y="329609"/>
+                  <a:pt x="2225749" y="524539"/>
+                </a:cubicBezTo>
+                <a:cubicBezTo>
+                  <a:pt x="3058633" y="1052623"/>
+                  <a:pt x="4269563" y="2144232"/>
+                  <a:pt x="4699591" y="2445488"/>
+                </a:cubicBezTo>
+              </a:path>
+            </a:pathLst>
+          </a:custGeom>
+          <a:noFill/>
+        </p:spPr>
+        <p:style>
+          <a:lnRef idx="2">
+            <a:schemeClr val="accent1">
+              <a:shade val="50000"/>
+            </a:schemeClr>
+          </a:lnRef>
+          <a:fillRef idx="1">
+            <a:schemeClr val="accent1"/>
+          </a:fillRef>
+          <a:effectRef idx="0">
+            <a:schemeClr val="accent1"/>
+          </a:effectRef>
+          <a:fontRef idx="minor">
+            <a:schemeClr val="lt1"/>
+          </a:fontRef>
+        </p:style>
+        <p:txBody>
+          <a:bodyPr rtlCol="0" anchor="ctr"/>
+          <a:lstStyle/>
+          <a:p>
+            <a:pPr algn="ctr"/>
+            <a:endParaRPr lang="fr-FR" dirty="0"/>
+          </a:p>
+        </p:txBody>
+      </p:sp>
+      <p:cxnSp>
+        <p:nvCxnSpPr>
+          <p:cNvPr id="12" name="Connecteur droit 11">
+            <a:extLst>
+              <a:ext uri="{FF2B5EF4-FFF2-40B4-BE49-F238E27FC236}">
+                <a16:creationId xmlns:a16="http://schemas.microsoft.com/office/drawing/2014/main" id="{35B4050E-1CBB-4BB1-BF77-F3A00F900361}"/>
+              </a:ext>
+            </a:extLst>
+          </p:cNvPr>
+          <p:cNvCxnSpPr>
+            <a:cxnSpLocks/>
+          </p:cNvCxnSpPr>
+          <p:nvPr/>
+        </p:nvCxnSpPr>
+        <p:spPr>
+          <a:xfrm>
+            <a:off x="4383466" y="4509120"/>
+            <a:ext cx="0" cy="175384"/>
+          </a:xfrm>
+          <a:prstGeom prst="line">
+            <a:avLst/>
+          </a:prstGeom>
+          <a:ln w="28575">
+            <a:solidFill>
+              <a:srgbClr val="FF0000"/>
+            </a:solidFill>
+            <a:tailEnd type="stealth" w="sm" len="lg"/>
+          </a:ln>
+        </p:spPr>
+        <p:style>
+          <a:lnRef idx="1">
+            <a:schemeClr val="accent1"/>
+          </a:lnRef>
+          <a:fillRef idx="0">
+            <a:schemeClr val="accent1"/>
+          </a:fillRef>
+          <a:effectRef idx="0">
+            <a:schemeClr val="accent1"/>
+          </a:effectRef>
+          <a:fontRef idx="minor">
+            <a:schemeClr val="tx1"/>
+          </a:fontRef>
+        </p:style>
+      </p:cxnSp>
+      <mc:AlternateContent xmlns:mc="http://schemas.openxmlformats.org/markup-compatibility/2006">
+        <mc:Choice xmlns:a14="http://schemas.microsoft.com/office/drawing/2010/main" Requires="a14">
+          <p:sp>
+            <p:nvSpPr>
+              <p:cNvPr id="15" name="ZoneTexte 14">
+                <a:extLst>
+                  <a:ext uri="{FF2B5EF4-FFF2-40B4-BE49-F238E27FC236}">
+                    <a16:creationId xmlns:a16="http://schemas.microsoft.com/office/drawing/2014/main" id="{DECDC1A6-A7FC-48AB-800A-3FC8EDABD285}"/>
+                  </a:ext>
+                </a:extLst>
+              </p:cNvPr>
+              <p:cNvSpPr txBox="1"/>
+              <p:nvPr/>
+            </p:nvSpPr>
+            <p:spPr>
+              <a:xfrm>
+                <a:off x="4447073" y="4549760"/>
+                <a:ext cx="696536" cy="176010"/>
+              </a:xfrm>
+              <a:prstGeom prst="rect">
+                <a:avLst/>
+              </a:prstGeom>
+              <a:noFill/>
+            </p:spPr>
+            <p:txBody>
+              <a:bodyPr wrap="none" lIns="0" tIns="0" rIns="0" bIns="0" rtlCol="0">
+                <a:spAutoFit/>
+              </a:bodyPr>
+              <a:lstStyle/>
+              <a:p>
+                <a:pPr/>
+                <a14:m>
+                  <m:oMathPara xmlns:m="http://schemas.openxmlformats.org/officeDocument/2006/math">
+                    <m:oMathParaPr>
+                      <m:jc m:val="centerGroup"/>
+                    </m:oMathParaPr>
+                    <m:oMath xmlns:m="http://schemas.openxmlformats.org/officeDocument/2006/math">
+                      <m:sSub>
+                        <m:sSubPr>
+                          <m:ctrlPr>
+                            <a:rPr lang="fr-FR" sz="1050" b="0" i="1" smtClean="0">
+                              <a:latin typeface="Cambria Math" panose="02040503050406030204" pitchFamily="18" charset="0"/>
+                            </a:rPr>
+                          </m:ctrlPr>
+                        </m:sSubPr>
+                        <m:e>
+                          <m:r>
+                            <a:rPr lang="fr-FR" sz="1050" b="0" i="1" smtClean="0">
+                              <a:latin typeface="Cambria Math" panose="02040503050406030204" pitchFamily="18" charset="0"/>
+                            </a:rPr>
+                            <m:t>𝑀</m:t>
+                          </m:r>
+                        </m:e>
+                        <m:sub>
+                          <m:r>
+                            <a:rPr lang="fr-FR" sz="1050" b="0" i="1" smtClean="0">
+                              <a:latin typeface="Cambria Math" panose="02040503050406030204" pitchFamily="18" charset="0"/>
+                            </a:rPr>
+                            <m:t>𝜑</m:t>
+                          </m:r>
+                        </m:sub>
+                      </m:sSub>
+                      <m:r>
+                        <a:rPr lang="fr-FR" sz="1050" b="0" i="1" smtClean="0">
+                          <a:latin typeface="Cambria Math" panose="02040503050406030204" pitchFamily="18" charset="0"/>
+                        </a:rPr>
+                        <m:t>=</m:t>
+                      </m:r>
+                      <m:r>
+                        <a:rPr lang="fr-FR" sz="1050" b="0" i="1" smtClean="0">
+                          <a:latin typeface="Cambria Math" panose="02040503050406030204" pitchFamily="18" charset="0"/>
+                        </a:rPr>
+                        <m:t>−1</m:t>
+                      </m:r>
+                      <m:r>
+                        <a:rPr lang="fr-FR" sz="1050" b="0" i="1" smtClean="0">
+                          <a:latin typeface="Cambria Math" panose="02040503050406030204" pitchFamily="18" charset="0"/>
+                        </a:rPr>
+                        <m:t>5°</m:t>
+                      </m:r>
+                    </m:oMath>
+                  </m:oMathPara>
+                </a14:m>
+                <a:endParaRPr lang="fr-FR" sz="1050" dirty="0"/>
+              </a:p>
+            </p:txBody>
+          </p:sp>
+        </mc:Choice>
+        <mc:Fallback>
+          <p:sp>
+            <p:nvSpPr>
+              <p:cNvPr id="15" name="ZoneTexte 14">
+                <a:extLst>
+                  <a:ext uri="{FF2B5EF4-FFF2-40B4-BE49-F238E27FC236}">
+                    <a16:creationId xmlns:a16="http://schemas.microsoft.com/office/drawing/2014/main" id="{DECDC1A6-A7FC-48AB-800A-3FC8EDABD285}"/>
+                  </a:ext>
+                </a:extLst>
+              </p:cNvPr>
+              <p:cNvSpPr txBox="1">
+                <a:spLocks noRot="1" noChangeAspect="1" noMove="1" noResize="1" noEditPoints="1" noAdjustHandles="1" noChangeArrowheads="1" noChangeShapeType="1" noTextEdit="1"/>
+              </p:cNvSpPr>
+              <p:nvPr/>
+            </p:nvSpPr>
+            <p:spPr>
+              <a:xfrm>
+                <a:off x="4447073" y="4549760"/>
+                <a:ext cx="696536" cy="176010"/>
+              </a:xfrm>
+              <a:prstGeom prst="rect">
+                <a:avLst/>
+              </a:prstGeom>
+              <a:blipFill>
+                <a:blip r:embed="rId5"/>
+                <a:stretch>
+                  <a:fillRect l="-4386" r="-3509" b="-17241"/>
                 </a:stretch>
               </a:blipFill>
             </p:spPr>
@@ -4124,8 +4426,8 @@
           <a:chExt cx="0" cy="0"/>
         </a:xfrm>
       </p:grpSpPr>
-      <mc:AlternateContent xmlns:mc="http://schemas.openxmlformats.org/markup-compatibility/2006">
-        <mc:Choice xmlns:a14="http://schemas.microsoft.com/office/drawing/2010/main" Requires="a14">
+      <mc:AlternateContent xmlns:mc="http://schemas.openxmlformats.org/markup-compatibility/2006" xmlns:a14="http://schemas.microsoft.com/office/drawing/2010/main">
+        <mc:Choice Requires="a14">
           <p:graphicFrame>
             <p:nvGraphicFramePr>
               <p:cNvPr id="4" name="Tableau 3">
@@ -6546,7 +6848,6 @@
                         <a:bodyPr/>
                         <a:lstStyle/>
                         <a:p>
-                          <a:pPr/>
                           <a:endParaRPr lang="fr-FR" dirty="0"/>
                         </a:p>
                       </a:txBody>
@@ -6817,7 +7118,7 @@
             </a:graphic>
           </p:graphicFrame>
         </mc:Choice>
-        <mc:Fallback>
+        <mc:Fallback xmlns="">
           <p:graphicFrame>
             <p:nvGraphicFramePr>
               <p:cNvPr id="4" name="Tableau 3">
